--- a/SSHTGithub.pptx
+++ b/SSHTGithub.pptx
@@ -5,17 +5,21 @@
     <p:sldMasterId id="2147483660" r:id="rId1"/>
   </p:sldMasterIdLst>
   <p:notesMasterIdLst>
-    <p:notesMasterId r:id="rId10"/>
+    <p:notesMasterId r:id="rId14"/>
   </p:notesMasterIdLst>
   <p:sldIdLst>
     <p:sldId id="259" r:id="rId2"/>
     <p:sldId id="256" r:id="rId3"/>
     <p:sldId id="257" r:id="rId4"/>
-    <p:sldId id="265" r:id="rId5"/>
-    <p:sldId id="266" r:id="rId6"/>
-    <p:sldId id="267" r:id="rId7"/>
-    <p:sldId id="268" r:id="rId8"/>
-    <p:sldId id="264" r:id="rId9"/>
+    <p:sldId id="269" r:id="rId5"/>
+    <p:sldId id="270" r:id="rId6"/>
+    <p:sldId id="265" r:id="rId7"/>
+    <p:sldId id="266" r:id="rId8"/>
+    <p:sldId id="272" r:id="rId9"/>
+    <p:sldId id="271" r:id="rId10"/>
+    <p:sldId id="268" r:id="rId11"/>
+    <p:sldId id="273" r:id="rId12"/>
+    <p:sldId id="264" r:id="rId13"/>
   </p:sldIdLst>
   <p:sldSz cx="17338675" cy="9753600"/>
   <p:notesSz cx="6858000" cy="9144000"/>
@@ -215,7 +219,7 @@
           <a:p>
             <a:fld id="{86680C0C-85DF-417F-8238-DB0D15743621}" type="datetimeFigureOut">
               <a:rPr lang="en-GB" smtClean="0"/>
-              <a:t>21/02/2021</a:t>
+              <a:t>22/02/2021</a:t>
             </a:fld>
             <a:endParaRPr lang="en-GB"/>
           </a:p>
@@ -685,7 +689,7 @@
           <a:p>
             <a:fld id="{50464F84-246C-4657-8172-1E2969D0F603}" type="datetime1">
               <a:rPr lang="en-GB" smtClean="0"/>
-              <a:t>21/02/2021</a:t>
+              <a:t>22/02/2021</a:t>
             </a:fld>
             <a:endParaRPr lang="en-GB"/>
           </a:p>
@@ -1625,7 +1629,7 @@
           <a:p>
             <a:fld id="{4FCCCAF6-1686-4743-9124-83F33F1A0EA9}" type="datetime1">
               <a:rPr lang="en-GB" noProof="0" smtClean="0"/>
-              <a:t>21/02/2021</a:t>
+              <a:t>22/02/2021</a:t>
             </a:fld>
             <a:endParaRPr lang="en-GB" noProof="0" dirty="0"/>
           </a:p>
@@ -1743,7 +1747,7 @@
           <a:p>
             <a:fld id="{B86ADBF0-A618-4E69-83BB-0C41E08702AA}" type="datetime1">
               <a:rPr lang="en-GB" noProof="0" smtClean="0"/>
-              <a:t>21/02/2021</a:t>
+              <a:t>22/02/2021</a:t>
             </a:fld>
             <a:endParaRPr lang="en-GB" noProof="0" dirty="0"/>
           </a:p>
@@ -2003,7 +2007,7 @@
           <a:p>
             <a:fld id="{F2443E58-CDC3-4782-B82C-4D381C795B98}" type="datetime1">
               <a:rPr lang="en-GB" noProof="0" smtClean="0"/>
-              <a:t>21/02/2021</a:t>
+              <a:t>22/02/2021</a:t>
             </a:fld>
             <a:endParaRPr lang="en-GB" noProof="0" dirty="0"/>
           </a:p>
@@ -2143,7 +2147,7 @@
           <a:p>
             <a:fld id="{3D3465D1-804F-429B-83CD-3EFA8410E123}" type="datetime1">
               <a:rPr lang="en-GB" smtClean="0"/>
-              <a:t>21/02/2021</a:t>
+              <a:t>22/02/2021</a:t>
             </a:fld>
             <a:endParaRPr lang="en-GB"/>
           </a:p>
@@ -2659,7 +2663,7 @@
           <a:p>
             <a:fld id="{434BA3CA-1064-434F-B179-AB3B0298C0D6}" type="datetime1">
               <a:rPr lang="en-GB" noProof="0" smtClean="0"/>
-              <a:t>21/02/2021</a:t>
+              <a:t>22/02/2021</a:t>
             </a:fld>
             <a:endParaRPr lang="en-GB" noProof="0" dirty="0"/>
           </a:p>
@@ -3340,6 +3344,482 @@
 </p:sld>
 </file>
 
+<file path=ppt/slides/slide10.xml><?xml version="1.0" encoding="utf-8"?>
+<p:sld xmlns:a="http://schemas.openxmlformats.org/drawingml/2006/main" xmlns:r="http://schemas.openxmlformats.org/officeDocument/2006/relationships" xmlns:p="http://schemas.openxmlformats.org/presentationml/2006/main">
+  <p:cSld>
+    <p:spTree>
+      <p:nvGrpSpPr>
+        <p:cNvPr id="1" name=""/>
+        <p:cNvGrpSpPr/>
+        <p:nvPr/>
+      </p:nvGrpSpPr>
+      <p:grpSpPr>
+        <a:xfrm>
+          <a:off x="0" y="0"/>
+          <a:ext cx="0" cy="0"/>
+          <a:chOff x="0" y="0"/>
+          <a:chExt cx="0" cy="0"/>
+        </a:xfrm>
+      </p:grpSpPr>
+      <p:sp>
+        <p:nvSpPr>
+          <p:cNvPr id="2" name="Titel 1">
+            <a:extLst>
+              <a:ext uri="{FF2B5EF4-FFF2-40B4-BE49-F238E27FC236}">
+                <a16:creationId xmlns:a16="http://schemas.microsoft.com/office/drawing/2014/main" id="{4634A112-F187-5B4B-8142-757B7980FAA9}"/>
+              </a:ext>
+            </a:extLst>
+          </p:cNvPr>
+          <p:cNvSpPr>
+            <a:spLocks noGrp="1"/>
+          </p:cNvSpPr>
+          <p:nvPr>
+            <p:ph type="title"/>
+          </p:nvPr>
+        </p:nvSpPr>
+        <p:spPr/>
+        <p:txBody>
+          <a:bodyPr/>
+          <a:lstStyle/>
+          <a:p>
+            <a:r>
+              <a:rPr lang="nl-BE" dirty="0"/>
+              <a:t>Extra functionalities</a:t>
+            </a:r>
+          </a:p>
+        </p:txBody>
+      </p:sp>
+      <p:sp>
+        <p:nvSpPr>
+          <p:cNvPr id="3" name="Tijdelijke aanduiding voor inhoud 2">
+            <a:extLst>
+              <a:ext uri="{FF2B5EF4-FFF2-40B4-BE49-F238E27FC236}">
+                <a16:creationId xmlns:a16="http://schemas.microsoft.com/office/drawing/2014/main" id="{A184E3A5-3C1A-BF42-BB5D-69C447BC697F}"/>
+              </a:ext>
+            </a:extLst>
+          </p:cNvPr>
+          <p:cNvSpPr>
+            <a:spLocks noGrp="1"/>
+          </p:cNvSpPr>
+          <p:nvPr>
+            <p:ph idx="1"/>
+          </p:nvPr>
+        </p:nvSpPr>
+        <p:spPr>
+          <a:xfrm>
+            <a:off x="835825" y="1194363"/>
+            <a:ext cx="15699575" cy="7560169"/>
+          </a:xfrm>
+        </p:spPr>
+        <p:txBody>
+          <a:bodyPr>
+            <a:normAutofit lnSpcReduction="10000"/>
+          </a:bodyPr>
+          <a:lstStyle/>
+          <a:p>
+            <a:r>
+              <a:rPr lang="nl-BE" dirty="0"/>
+              <a:t>GitHub flow and Discussions</a:t>
+            </a:r>
+          </a:p>
+          <a:p>
+            <a:endParaRPr lang="nl-BE" dirty="0"/>
+          </a:p>
+          <a:p>
+            <a:endParaRPr lang="nl-BE" dirty="0"/>
+          </a:p>
+          <a:p>
+            <a:endParaRPr lang="nl-BE" dirty="0"/>
+          </a:p>
+          <a:p>
+            <a:pPr marL="86400" indent="0">
+              <a:buNone/>
+            </a:pPr>
+            <a:endParaRPr lang="nl-BE" dirty="0"/>
+          </a:p>
+          <a:p>
+            <a:r>
+              <a:rPr lang="nl-BE" dirty="0"/>
+              <a:t>GitHub pages to host a website about yourself, your organisation, or your project</a:t>
+            </a:r>
+          </a:p>
+          <a:p>
+            <a:r>
+              <a:rPr lang="nl-BE" dirty="0"/>
+              <a:t>GitHub classroom to distribute code, give students feedback and collect assignments</a:t>
+            </a:r>
+          </a:p>
+          <a:p>
+            <a:endParaRPr lang="nl-BE" dirty="0"/>
+          </a:p>
+        </p:txBody>
+      </p:sp>
+      <p:sp>
+        <p:nvSpPr>
+          <p:cNvPr id="4" name="Tijdelijke aanduiding voor dianummer 3">
+            <a:extLst>
+              <a:ext uri="{FF2B5EF4-FFF2-40B4-BE49-F238E27FC236}">
+                <a16:creationId xmlns:a16="http://schemas.microsoft.com/office/drawing/2014/main" id="{3CD2F08D-9B67-5A48-980F-26D72BD010D9}"/>
+              </a:ext>
+            </a:extLst>
+          </p:cNvPr>
+          <p:cNvSpPr>
+            <a:spLocks noGrp="1"/>
+          </p:cNvSpPr>
+          <p:nvPr>
+            <p:ph type="sldNum" sz="quarter" idx="12"/>
+          </p:nvPr>
+        </p:nvSpPr>
+        <p:spPr/>
+        <p:txBody>
+          <a:bodyPr/>
+          <a:lstStyle/>
+          <a:p>
+            <a:fld id="{7AE184E0-0BD4-4705-A12B-9B71DDE63301}" type="slidenum">
+              <a:rPr lang="en-GB" noProof="0" smtClean="0"/>
+              <a:t>10</a:t>
+            </a:fld>
+            <a:endParaRPr lang="en-GB" noProof="0" dirty="0"/>
+          </a:p>
+        </p:txBody>
+      </p:sp>
+      <p:pic>
+        <p:nvPicPr>
+          <p:cNvPr id="1028" name="Picture 4">
+            <a:extLst>
+              <a:ext uri="{FF2B5EF4-FFF2-40B4-BE49-F238E27FC236}">
+                <a16:creationId xmlns:a16="http://schemas.microsoft.com/office/drawing/2014/main" id="{28775ED8-C0BD-7A49-B4B2-9AA6491B0E24}"/>
+              </a:ext>
+            </a:extLst>
+          </p:cNvPr>
+          <p:cNvPicPr>
+            <a:picLocks noChangeAspect="1" noChangeArrowheads="1"/>
+          </p:cNvPicPr>
+          <p:nvPr/>
+        </p:nvPicPr>
+        <p:blipFill rotWithShape="1">
+          <a:blip r:embed="rId2">
+            <a:extLst>
+              <a:ext uri="{28A0092B-C50C-407E-A947-70E740481C1C}">
+                <a14:useLocalDpi xmlns:a14="http://schemas.microsoft.com/office/drawing/2010/main" val="0"/>
+              </a:ext>
+            </a:extLst>
+          </a:blip>
+          <a:srcRect t="24856" b="11792"/>
+          <a:stretch/>
+        </p:blipFill>
+        <p:spPr bwMode="auto">
+          <a:xfrm>
+            <a:off x="4622798" y="1963129"/>
+            <a:ext cx="9401897" cy="3337005"/>
+          </a:xfrm>
+          <a:prstGeom prst="rect">
+            <a:avLst/>
+          </a:prstGeom>
+          <a:noFill/>
+          <a:extLst>
+            <a:ext uri="{909E8E84-426E-40DD-AFC4-6F175D3DCCD1}">
+              <a14:hiddenFill xmlns:a14="http://schemas.microsoft.com/office/drawing/2010/main">
+                <a:solidFill>
+                  <a:srgbClr val="FFFFFF"/>
+                </a:solidFill>
+              </a14:hiddenFill>
+            </a:ext>
+          </a:extLst>
+        </p:spPr>
+      </p:pic>
+    </p:spTree>
+    <p:extLst>
+      <p:ext uri="{BB962C8B-B14F-4D97-AF65-F5344CB8AC3E}">
+        <p14:creationId xmlns:p14="http://schemas.microsoft.com/office/powerpoint/2010/main" val="2288973983"/>
+      </p:ext>
+    </p:extLst>
+  </p:cSld>
+  <p:clrMapOvr>
+    <a:masterClrMapping/>
+  </p:clrMapOvr>
+</p:sld>
+</file>
+
+<file path=ppt/slides/slide11.xml><?xml version="1.0" encoding="utf-8"?>
+<p:sld xmlns:a="http://schemas.openxmlformats.org/drawingml/2006/main" xmlns:r="http://schemas.openxmlformats.org/officeDocument/2006/relationships" xmlns:p="http://schemas.openxmlformats.org/presentationml/2006/main">
+  <p:cSld>
+    <p:spTree>
+      <p:nvGrpSpPr>
+        <p:cNvPr id="1" name=""/>
+        <p:cNvGrpSpPr/>
+        <p:nvPr/>
+      </p:nvGrpSpPr>
+      <p:grpSpPr>
+        <a:xfrm>
+          <a:off x="0" y="0"/>
+          <a:ext cx="0" cy="0"/>
+          <a:chOff x="0" y="0"/>
+          <a:chExt cx="0" cy="0"/>
+        </a:xfrm>
+      </p:grpSpPr>
+      <p:sp>
+        <p:nvSpPr>
+          <p:cNvPr id="2" name="Titel 1">
+            <a:extLst>
+              <a:ext uri="{FF2B5EF4-FFF2-40B4-BE49-F238E27FC236}">
+                <a16:creationId xmlns:a16="http://schemas.microsoft.com/office/drawing/2014/main" id="{83C7919D-44BB-3445-BEE7-99CE7D89948E}"/>
+              </a:ext>
+            </a:extLst>
+          </p:cNvPr>
+          <p:cNvSpPr>
+            <a:spLocks noGrp="1"/>
+          </p:cNvSpPr>
+          <p:nvPr>
+            <p:ph type="title"/>
+          </p:nvPr>
+        </p:nvSpPr>
+        <p:spPr/>
+        <p:txBody>
+          <a:bodyPr/>
+          <a:lstStyle/>
+          <a:p>
+            <a:r>
+              <a:rPr lang="nl-BE" dirty="0"/>
+              <a:t>Using GitHub in research</a:t>
+            </a:r>
+          </a:p>
+        </p:txBody>
+      </p:sp>
+      <p:sp>
+        <p:nvSpPr>
+          <p:cNvPr id="3" name="Tijdelijke aanduiding voor inhoud 2">
+            <a:extLst>
+              <a:ext uri="{FF2B5EF4-FFF2-40B4-BE49-F238E27FC236}">
+                <a16:creationId xmlns:a16="http://schemas.microsoft.com/office/drawing/2014/main" id="{FC16A72C-1D5D-7548-9413-917C7B1E7E64}"/>
+              </a:ext>
+            </a:extLst>
+          </p:cNvPr>
+          <p:cNvSpPr>
+            <a:spLocks noGrp="1"/>
+          </p:cNvSpPr>
+          <p:nvPr>
+            <p:ph idx="1"/>
+          </p:nvPr>
+        </p:nvSpPr>
+        <p:spPr/>
+        <p:txBody>
+          <a:bodyPr/>
+          <a:lstStyle/>
+          <a:p>
+            <a:r>
+              <a:rPr lang="nl-BE" dirty="0"/>
+              <a:t>Share code</a:t>
+            </a:r>
+          </a:p>
+          <a:p>
+            <a:r>
+              <a:rPr lang="nl-BE" dirty="0"/>
+              <a:t>Share data</a:t>
+            </a:r>
+          </a:p>
+          <a:p>
+            <a:r>
+              <a:rPr lang="nl-BE"/>
+              <a:t>Share R scripts using RStudio</a:t>
+            </a:r>
+          </a:p>
+        </p:txBody>
+      </p:sp>
+      <p:sp>
+        <p:nvSpPr>
+          <p:cNvPr id="4" name="Tijdelijke aanduiding voor dianummer 3">
+            <a:extLst>
+              <a:ext uri="{FF2B5EF4-FFF2-40B4-BE49-F238E27FC236}">
+                <a16:creationId xmlns:a16="http://schemas.microsoft.com/office/drawing/2014/main" id="{3547BB7C-9D61-3142-BE61-3247C72986AB}"/>
+              </a:ext>
+            </a:extLst>
+          </p:cNvPr>
+          <p:cNvSpPr>
+            <a:spLocks noGrp="1"/>
+          </p:cNvSpPr>
+          <p:nvPr>
+            <p:ph type="sldNum" sz="quarter" idx="12"/>
+          </p:nvPr>
+        </p:nvSpPr>
+        <p:spPr/>
+        <p:txBody>
+          <a:bodyPr/>
+          <a:lstStyle/>
+          <a:p>
+            <a:fld id="{7AE184E0-0BD4-4705-A12B-9B71DDE63301}" type="slidenum">
+              <a:rPr lang="en-GB" noProof="0" smtClean="0"/>
+              <a:t>11</a:t>
+            </a:fld>
+            <a:endParaRPr lang="en-GB" noProof="0" dirty="0"/>
+          </a:p>
+        </p:txBody>
+      </p:sp>
+    </p:spTree>
+    <p:extLst>
+      <p:ext uri="{BB962C8B-B14F-4D97-AF65-F5344CB8AC3E}">
+        <p14:creationId xmlns:p14="http://schemas.microsoft.com/office/powerpoint/2010/main" val="1623290195"/>
+      </p:ext>
+    </p:extLst>
+  </p:cSld>
+  <p:clrMapOvr>
+    <a:masterClrMapping/>
+  </p:clrMapOvr>
+</p:sld>
+</file>
+
+<file path=ppt/slides/slide12.xml><?xml version="1.0" encoding="utf-8"?>
+<p:sld xmlns:a="http://schemas.openxmlformats.org/drawingml/2006/main" xmlns:r="http://schemas.openxmlformats.org/officeDocument/2006/relationships" xmlns:p="http://schemas.openxmlformats.org/presentationml/2006/main">
+  <p:cSld>
+    <p:spTree>
+      <p:nvGrpSpPr>
+        <p:cNvPr id="1" name=""/>
+        <p:cNvGrpSpPr/>
+        <p:nvPr/>
+      </p:nvGrpSpPr>
+      <p:grpSpPr>
+        <a:xfrm>
+          <a:off x="0" y="0"/>
+          <a:ext cx="0" cy="0"/>
+          <a:chOff x="0" y="0"/>
+          <a:chExt cx="0" cy="0"/>
+        </a:xfrm>
+      </p:grpSpPr>
+      <p:sp>
+        <p:nvSpPr>
+          <p:cNvPr id="2" name="Title 1"/>
+          <p:cNvSpPr>
+            <a:spLocks noGrp="1"/>
+          </p:cNvSpPr>
+          <p:nvPr>
+            <p:ph type="ctrTitle"/>
+          </p:nvPr>
+        </p:nvSpPr>
+        <p:spPr/>
+        <p:txBody>
+          <a:bodyPr/>
+          <a:lstStyle/>
+          <a:p>
+            <a:r>
+              <a:rPr lang="en-GB" sz="3500" dirty="0"/>
+              <a:t>Frederik Gailly</a:t>
+            </a:r>
+            <a:br>
+              <a:rPr lang="en-GB" dirty="0"/>
+            </a:br>
+            <a:br>
+              <a:rPr lang="en-GB" dirty="0"/>
+            </a:br>
+            <a:br>
+              <a:rPr lang="en-GB" dirty="0"/>
+            </a:br>
+            <a:r>
+              <a:rPr lang="en-GB" cap="all" dirty="0"/>
+              <a:t>Business Informatics Research Group</a:t>
+            </a:r>
+            <a:br>
+              <a:rPr lang="en-GB" cap="all" dirty="0"/>
+            </a:br>
+            <a:br>
+              <a:rPr lang="en-GB" dirty="0"/>
+            </a:br>
+            <a:r>
+              <a:rPr lang="en-GB" dirty="0"/>
+              <a:t>E	</a:t>
+            </a:r>
+            <a:r>
+              <a:rPr lang="en-GB" dirty="0" err="1"/>
+              <a:t>Frederik.Gailly@ugent.be</a:t>
+            </a:r>
+            <a:br>
+              <a:rPr lang="en-GB" dirty="0"/>
+            </a:br>
+            <a:r>
+              <a:rPr lang="en-GB" dirty="0"/>
+              <a:t>	</a:t>
+            </a:r>
+            <a:r>
+              <a:rPr lang="nl-NL" dirty="0"/>
+              <a:t>@</a:t>
+            </a:r>
+            <a:r>
+              <a:rPr lang="nl-NL" dirty="0" err="1"/>
+              <a:t>fgailly</a:t>
+            </a:r>
+            <a:br>
+              <a:rPr lang="en-GB" dirty="0"/>
+            </a:br>
+            <a:br>
+              <a:rPr lang="en-GB" dirty="0"/>
+            </a:br>
+            <a:br>
+              <a:rPr lang="en-GB" dirty="0"/>
+            </a:br>
+            <a:br>
+              <a:rPr lang="en-GB" dirty="0"/>
+            </a:br>
+            <a:r>
+              <a:rPr lang="en-GB" dirty="0" err="1"/>
+              <a:t>www.mis.ugent.be</a:t>
+            </a:r>
+            <a:r>
+              <a:rPr lang="en-GB" dirty="0"/>
+              <a:t>/</a:t>
+            </a:r>
+            <a:r>
+              <a:rPr lang="en-GB" dirty="0" err="1"/>
+              <a:t>gailly</a:t>
+            </a:r>
+            <a:br>
+              <a:rPr lang="en-GB" dirty="0"/>
+            </a:br>
+            <a:endParaRPr lang="en-GB" dirty="0"/>
+          </a:p>
+        </p:txBody>
+      </p:sp>
+      <p:pic>
+        <p:nvPicPr>
+          <p:cNvPr id="6" name="Picture 10"/>
+          <p:cNvPicPr>
+            <a:picLocks noChangeAspect="1"/>
+          </p:cNvPicPr>
+          <p:nvPr/>
+        </p:nvPicPr>
+        <p:blipFill>
+          <a:blip r:embed="rId2" cstate="print">
+            <a:extLst>
+              <a:ext uri="{28A0092B-C50C-407E-A947-70E740481C1C}">
+                <a14:useLocalDpi xmlns:a14="http://schemas.microsoft.com/office/drawing/2010/main" val="0"/>
+              </a:ext>
+            </a:extLst>
+          </a:blip>
+          <a:stretch>
+            <a:fillRect/>
+          </a:stretch>
+        </p:blipFill>
+        <p:spPr>
+          <a:xfrm>
+            <a:off x="1358806" y="4470291"/>
+            <a:ext cx="280417" cy="356617"/>
+          </a:xfrm>
+          <a:prstGeom prst="rect">
+            <a:avLst/>
+          </a:prstGeom>
+        </p:spPr>
+      </p:pic>
+    </p:spTree>
+    <p:extLst>
+      <p:ext uri="{BB962C8B-B14F-4D97-AF65-F5344CB8AC3E}">
+        <p14:creationId xmlns:p14="http://schemas.microsoft.com/office/powerpoint/2010/main" val="411963799"/>
+      </p:ext>
+    </p:extLst>
+  </p:cSld>
+  <p:clrMapOvr>
+    <a:masterClrMapping/>
+  </p:clrMapOvr>
+</p:sld>
+</file>
+
 <file path=ppt/slides/slide2.xml><?xml version="1.0" encoding="utf-8"?>
 <p:sld xmlns:a="http://schemas.openxmlformats.org/drawingml/2006/main" xmlns:r="http://schemas.openxmlformats.org/officeDocument/2006/relationships" xmlns:p="http://schemas.openxmlformats.org/presentationml/2006/main">
   <p:cSld>
@@ -3373,13 +3853,28 @@
           <a:lstStyle/>
           <a:p>
             <a:r>
-              <a:rPr lang="nl-NL" dirty="0"/>
-              <a:t>Git &amp; </a:t>
-            </a:r>
-            <a:r>
               <a:rPr lang="nl-NL" dirty="0" err="1"/>
               <a:t>Github</a:t>
             </a:r>
+            <a:r>
+              <a:rPr lang="nl-NL" dirty="0"/>
+              <a:t> </a:t>
+            </a:r>
+            <a:br>
+              <a:rPr lang="nl-NL" dirty="0"/>
+            </a:br>
+            <a:r>
+              <a:rPr lang="nl-NL" dirty="0" err="1"/>
+              <a:t>for</a:t>
+            </a:r>
+            <a:r>
+              <a:rPr lang="nl-NL" dirty="0"/>
+              <a:t> </a:t>
+            </a:r>
+            <a:r>
+              <a:rPr lang="nl-NL" dirty="0" err="1"/>
+              <a:t>Dummies</a:t>
+            </a:r>
             <a:endParaRPr lang="nl-NL" dirty="0"/>
           </a:p>
         </p:txBody>
@@ -3485,6 +3980,53 @@
           </a:p>
         </p:txBody>
       </p:sp>
+      <p:pic>
+        <p:nvPicPr>
+          <p:cNvPr id="1030" name="Picture 6" descr="git vs GitHub">
+            <a:extLst>
+              <a:ext uri="{FF2B5EF4-FFF2-40B4-BE49-F238E27FC236}">
+                <a16:creationId xmlns:a16="http://schemas.microsoft.com/office/drawing/2014/main" id="{98B85C7C-9902-FC4F-B426-82B1FBF4FA7E}"/>
+              </a:ext>
+            </a:extLst>
+          </p:cNvPr>
+          <p:cNvPicPr>
+            <a:picLocks noChangeAspect="1" noChangeArrowheads="1"/>
+          </p:cNvPicPr>
+          <p:nvPr/>
+        </p:nvPicPr>
+        <p:blipFill>
+          <a:blip r:embed="rId2">
+            <a:extLst>
+              <a:ext uri="{28A0092B-C50C-407E-A947-70E740481C1C}">
+                <a14:useLocalDpi xmlns:a14="http://schemas.microsoft.com/office/drawing/2010/main" val="0"/>
+              </a:ext>
+            </a:extLst>
+          </a:blip>
+          <a:srcRect/>
+          <a:stretch>
+            <a:fillRect/>
+          </a:stretch>
+        </p:blipFill>
+        <p:spPr bwMode="auto">
+          <a:xfrm>
+            <a:off x="10294409" y="1515317"/>
+            <a:ext cx="7044266" cy="3522133"/>
+          </a:xfrm>
+          <a:prstGeom prst="rect">
+            <a:avLst/>
+          </a:prstGeom>
+          <a:noFill/>
+          <a:extLst>
+            <a:ext uri="{909E8E84-426E-40DD-AFC4-6F175D3DCCD1}">
+              <a14:hiddenFill xmlns:a14="http://schemas.microsoft.com/office/drawing/2010/main">
+                <a:solidFill>
+                  <a:srgbClr val="FFFFFF"/>
+                </a:solidFill>
+              </a14:hiddenFill>
+            </a:ext>
+          </a:extLst>
+        </p:spPr>
+      </p:pic>
     </p:spTree>
     <p:extLst>
       <p:ext uri="{BB962C8B-B14F-4D97-AF65-F5344CB8AC3E}">
@@ -3532,7 +4074,7 @@
           <a:p>
             <a:r>
               <a:rPr lang="en-GB" dirty="0"/>
-              <a:t>Version control</a:t>
+              <a:t>Version control systems (VCS)</a:t>
             </a:r>
           </a:p>
         </p:txBody>
@@ -3550,9 +4092,33 @@
         <p:spPr/>
         <p:txBody>
           <a:bodyPr>
-            <a:normAutofit/>
+            <a:normAutofit fontScale="92500"/>
           </a:bodyPr>
           <a:lstStyle/>
+          <a:p>
+            <a:r>
+              <a:rPr lang="en-GB" dirty="0"/>
+              <a:t>Class of systems for managing changes to computer programs, documents, large web sites, or other collections of information</a:t>
+            </a:r>
+          </a:p>
+          <a:p>
+            <a:r>
+              <a:rPr lang="en-GB" dirty="0"/>
+              <a:t>Stand-alone applications or embedded in various types of software (e.g. word, content management systems )</a:t>
+            </a:r>
+          </a:p>
+          <a:p>
+            <a:r>
+              <a:rPr lang="en-GB" dirty="0"/>
+              <a:t>GIT: an open-source, distributed version control systems</a:t>
+            </a:r>
+          </a:p>
+          <a:p>
+            <a:r>
+              <a:rPr lang="en-GB" dirty="0"/>
+              <a:t>GitHub: a platform for hosting and collaborating on Git repositories</a:t>
+            </a:r>
+          </a:p>
           <a:p>
             <a:endParaRPr lang="en-GB" dirty="0"/>
           </a:p>
@@ -3616,7 +4182,7 @@
           <p:cNvPr id="2" name="Titel 1">
             <a:extLst>
               <a:ext uri="{FF2B5EF4-FFF2-40B4-BE49-F238E27FC236}">
-                <a16:creationId xmlns:a16="http://schemas.microsoft.com/office/drawing/2014/main" id="{85642025-04BD-6B4F-8A64-72EA9303D064}"/>
+                <a16:creationId xmlns:a16="http://schemas.microsoft.com/office/drawing/2014/main" id="{66490EC7-4A61-7245-9D46-D87229250C30}"/>
               </a:ext>
             </a:extLst>
           </p:cNvPr>
@@ -3634,7 +4200,7 @@
           <a:p>
             <a:r>
               <a:rPr lang="nl-BE" dirty="0"/>
-              <a:t>Before we start</a:t>
+              <a:t>Glossary</a:t>
             </a:r>
           </a:p>
         </p:txBody>
@@ -3644,7 +4210,7 @@
           <p:cNvPr id="3" name="Tijdelijke aanduiding voor inhoud 2">
             <a:extLst>
               <a:ext uri="{FF2B5EF4-FFF2-40B4-BE49-F238E27FC236}">
-                <a16:creationId xmlns:a16="http://schemas.microsoft.com/office/drawing/2014/main" id="{02B99AF9-705E-AD42-A03D-570A6D9D42E9}"/>
+                <a16:creationId xmlns:a16="http://schemas.microsoft.com/office/drawing/2014/main" id="{0B9A38C3-2CD8-8242-B3F1-9568E128D8B3}"/>
               </a:ext>
             </a:extLst>
           </p:cNvPr>
@@ -3657,25 +4223,42 @@
         </p:nvSpPr>
         <p:spPr/>
         <p:txBody>
-          <a:bodyPr/>
+          <a:bodyPr>
+            <a:normAutofit fontScale="85000" lnSpcReduction="10000"/>
+          </a:bodyPr>
           <a:lstStyle/>
           <a:p>
             <a:r>
               <a:rPr lang="nl-BE" dirty="0"/>
-              <a:t>Create github account</a:t>
+              <a:t>repository: where files’ current and historical data are stored, ofter on a server</a:t>
             </a:r>
           </a:p>
           <a:p>
             <a:r>
               <a:rPr lang="nl-BE" dirty="0"/>
-              <a:t>Install Github</a:t>
+              <a:t>clone: a local version of a repository</a:t>
             </a:r>
           </a:p>
           <a:p>
             <a:r>
               <a:rPr lang="nl-BE" dirty="0"/>
-              <a:t>Install Command line tools</a:t>
-            </a:r>
+              <a:t>branch: a set  of files under version control may be branched or forked at a point in time so that two copies of those files may develop at different speeds or in different ways</a:t>
+            </a:r>
+          </a:p>
+          <a:p>
+            <a:r>
+              <a:rPr lang="nl-BE" dirty="0"/>
+              <a:t>fork: a copy of a repository on GitHub owned by a different user</a:t>
+            </a:r>
+          </a:p>
+          <a:p>
+            <a:r>
+              <a:rPr lang="nl-BE" dirty="0"/>
+              <a:t>Commit: a Git object, a snapshot of the repository</a:t>
+            </a:r>
+          </a:p>
+          <a:p>
+            <a:endParaRPr lang="nl-BE" dirty="0"/>
           </a:p>
           <a:p>
             <a:endParaRPr lang="nl-BE" dirty="0"/>
@@ -3687,7 +4270,7 @@
           <p:cNvPr id="4" name="Tijdelijke aanduiding voor dianummer 3">
             <a:extLst>
               <a:ext uri="{FF2B5EF4-FFF2-40B4-BE49-F238E27FC236}">
-                <a16:creationId xmlns:a16="http://schemas.microsoft.com/office/drawing/2014/main" id="{44604E4B-75B4-5E40-B0DF-A8D6374B1161}"/>
+                <a16:creationId xmlns:a16="http://schemas.microsoft.com/office/drawing/2014/main" id="{638BA700-46A1-FC46-81C8-D4D835FF1608}"/>
               </a:ext>
             </a:extLst>
           </p:cNvPr>
@@ -3714,7 +4297,7 @@
     </p:spTree>
     <p:extLst>
       <p:ext uri="{BB962C8B-B14F-4D97-AF65-F5344CB8AC3E}">
-        <p14:creationId xmlns:p14="http://schemas.microsoft.com/office/powerpoint/2010/main" val="2860741065"/>
+        <p14:creationId xmlns:p14="http://schemas.microsoft.com/office/powerpoint/2010/main" val="608208247"/>
       </p:ext>
     </p:extLst>
   </p:cSld>
@@ -3746,7 +4329,7 @@
           <p:cNvPr id="2" name="Titel 1">
             <a:extLst>
               <a:ext uri="{FF2B5EF4-FFF2-40B4-BE49-F238E27FC236}">
-                <a16:creationId xmlns:a16="http://schemas.microsoft.com/office/drawing/2014/main" id="{4B5E34EE-663A-AB42-8D7E-C2D209F6006C}"/>
+                <a16:creationId xmlns:a16="http://schemas.microsoft.com/office/drawing/2014/main" id="{6A0B9CEC-70DA-634C-81F1-7F4DCD4FB5FC}"/>
               </a:ext>
             </a:extLst>
           </p:cNvPr>
@@ -3764,7 +4347,7 @@
           <a:p>
             <a:r>
               <a:rPr lang="nl-BE" dirty="0"/>
-              <a:t>GIT Demo</a:t>
+              <a:t>Git command line instructions</a:t>
             </a:r>
           </a:p>
         </p:txBody>
@@ -3774,7 +4357,7 @@
           <p:cNvPr id="3" name="Tijdelijke aanduiding voor inhoud 2">
             <a:extLst>
               <a:ext uri="{FF2B5EF4-FFF2-40B4-BE49-F238E27FC236}">
-                <a16:creationId xmlns:a16="http://schemas.microsoft.com/office/drawing/2014/main" id="{D68F8086-2300-974E-9DE4-93857BC65CAF}"/>
+                <a16:creationId xmlns:a16="http://schemas.microsoft.com/office/drawing/2014/main" id="{0113361D-B667-634E-B837-FF126E6B5C6B}"/>
               </a:ext>
             </a:extLst>
           </p:cNvPr>
@@ -3790,7 +4373,13 @@
           <a:bodyPr/>
           <a:lstStyle/>
           <a:p>
-            <a:endParaRPr lang="nl-BE"/>
+            <a:r>
+              <a:rPr lang="nl-BE" dirty="0"/>
+              <a:t>See Git Cheat Sheet or Git help</a:t>
+            </a:r>
+          </a:p>
+          <a:p>
+            <a:endParaRPr lang="nl-BE" dirty="0"/>
           </a:p>
         </p:txBody>
       </p:sp>
@@ -3799,7 +4388,7 @@
           <p:cNvPr id="4" name="Tijdelijke aanduiding voor dianummer 3">
             <a:extLst>
               <a:ext uri="{FF2B5EF4-FFF2-40B4-BE49-F238E27FC236}">
-                <a16:creationId xmlns:a16="http://schemas.microsoft.com/office/drawing/2014/main" id="{F55E12B0-A09A-8341-BF46-A90EF0C3745A}"/>
+                <a16:creationId xmlns:a16="http://schemas.microsoft.com/office/drawing/2014/main" id="{34C85BB8-0376-BB41-B31D-8800513D23CF}"/>
               </a:ext>
             </a:extLst>
           </p:cNvPr>
@@ -3823,10 +4412,40 @@
           </a:p>
         </p:txBody>
       </p:sp>
+      <p:pic>
+        <p:nvPicPr>
+          <p:cNvPr id="5" name="Afbeelding 4">
+            <a:extLst>
+              <a:ext uri="{FF2B5EF4-FFF2-40B4-BE49-F238E27FC236}">
+                <a16:creationId xmlns:a16="http://schemas.microsoft.com/office/drawing/2014/main" id="{C340B01B-88A1-4C4B-8E6E-7F9F9B383B26}"/>
+              </a:ext>
+            </a:extLst>
+          </p:cNvPr>
+          <p:cNvPicPr>
+            <a:picLocks noChangeAspect="1"/>
+          </p:cNvPicPr>
+          <p:nvPr/>
+        </p:nvPicPr>
+        <p:blipFill>
+          <a:blip r:embed="rId2"/>
+          <a:stretch>
+            <a:fillRect/>
+          </a:stretch>
+        </p:blipFill>
+        <p:spPr>
+          <a:xfrm>
+            <a:off x="3595687" y="2148027"/>
+            <a:ext cx="9538422" cy="6800676"/>
+          </a:xfrm>
+          <a:prstGeom prst="rect">
+            <a:avLst/>
+          </a:prstGeom>
+        </p:spPr>
+      </p:pic>
     </p:spTree>
     <p:extLst>
       <p:ext uri="{BB962C8B-B14F-4D97-AF65-F5344CB8AC3E}">
-        <p14:creationId xmlns:p14="http://schemas.microsoft.com/office/powerpoint/2010/main" val="1104942443"/>
+        <p14:creationId xmlns:p14="http://schemas.microsoft.com/office/powerpoint/2010/main" val="588753951"/>
       </p:ext>
     </p:extLst>
   </p:cSld>
@@ -3858,7 +4477,7 @@
           <p:cNvPr id="2" name="Titel 1">
             <a:extLst>
               <a:ext uri="{FF2B5EF4-FFF2-40B4-BE49-F238E27FC236}">
-                <a16:creationId xmlns:a16="http://schemas.microsoft.com/office/drawing/2014/main" id="{E8AA26AA-BB31-7248-9609-6158ADA12C47}"/>
+                <a16:creationId xmlns:a16="http://schemas.microsoft.com/office/drawing/2014/main" id="{85642025-04BD-6B4F-8A64-72EA9303D064}"/>
               </a:ext>
             </a:extLst>
           </p:cNvPr>
@@ -3876,7 +4495,7 @@
           <a:p>
             <a:r>
               <a:rPr lang="nl-BE" dirty="0"/>
-              <a:t>Git demo using GIThub desktop</a:t>
+              <a:t>GIT Demo</a:t>
             </a:r>
           </a:p>
         </p:txBody>
@@ -3886,7 +4505,7 @@
           <p:cNvPr id="3" name="Tijdelijke aanduiding voor inhoud 2">
             <a:extLst>
               <a:ext uri="{FF2B5EF4-FFF2-40B4-BE49-F238E27FC236}">
-                <a16:creationId xmlns:a16="http://schemas.microsoft.com/office/drawing/2014/main" id="{C3188024-9C39-714D-AE78-50777EF93274}"/>
+                <a16:creationId xmlns:a16="http://schemas.microsoft.com/office/drawing/2014/main" id="{02B99AF9-705E-AD42-A03D-570A6D9D42E9}"/>
               </a:ext>
             </a:extLst>
           </p:cNvPr>
@@ -3902,7 +4521,74 @@
           <a:bodyPr/>
           <a:lstStyle/>
           <a:p>
-            <a:endParaRPr lang="nl-BE"/>
+            <a:pPr marL="1000800" indent="-914400">
+              <a:buFont typeface="+mj-lt"/>
+              <a:buAutoNum type="arabicPeriod"/>
+            </a:pPr>
+            <a:r>
+              <a:rPr lang="nl-BE" dirty="0"/>
+              <a:t>Create github account</a:t>
+            </a:r>
+          </a:p>
+          <a:p>
+            <a:pPr marL="1000800" indent="-914400">
+              <a:buFont typeface="+mj-lt"/>
+              <a:buAutoNum type="arabicPeriod"/>
+            </a:pPr>
+            <a:r>
+              <a:rPr lang="nl-BE" dirty="0"/>
+              <a:t>Install Github + Install Command line tools</a:t>
+            </a:r>
+          </a:p>
+          <a:p>
+            <a:pPr marL="1000800" indent="-914400">
+              <a:buFont typeface="+mj-lt"/>
+              <a:buAutoNum type="arabicPeriod"/>
+            </a:pPr>
+            <a:r>
+              <a:rPr lang="nl-BE" dirty="0"/>
+              <a:t>Create directory</a:t>
+            </a:r>
+          </a:p>
+          <a:p>
+            <a:pPr marL="1000800" indent="-914400">
+              <a:buFont typeface="+mj-lt"/>
+              <a:buAutoNum type="arabicPeriod"/>
+            </a:pPr>
+            <a:r>
+              <a:rPr lang="nl-BE" dirty="0"/>
+              <a:t>Connect Directory to GitHub Reposity</a:t>
+            </a:r>
+          </a:p>
+          <a:p>
+            <a:pPr marL="1000800" indent="-914400">
+              <a:buFont typeface="+mj-lt"/>
+              <a:buAutoNum type="arabicPeriod"/>
+            </a:pPr>
+            <a:r>
+              <a:rPr lang="nl-BE" dirty="0"/>
+              <a:t>Add file</a:t>
+            </a:r>
+          </a:p>
+          <a:p>
+            <a:pPr marL="1000800" indent="-914400">
+              <a:buFont typeface="+mj-lt"/>
+              <a:buAutoNum type="arabicPeriod"/>
+            </a:pPr>
+            <a:r>
+              <a:rPr lang="nl-BE" dirty="0"/>
+              <a:t>Commit file</a:t>
+            </a:r>
+          </a:p>
+          <a:p>
+            <a:pPr marL="1000800" indent="-914400">
+              <a:buFont typeface="+mj-lt"/>
+              <a:buAutoNum type="arabicPeriod"/>
+            </a:pPr>
+            <a:r>
+              <a:rPr lang="nl-BE" dirty="0"/>
+              <a:t>Pull changes</a:t>
+            </a:r>
           </a:p>
         </p:txBody>
       </p:sp>
@@ -3911,7 +4597,7 @@
           <p:cNvPr id="4" name="Tijdelijke aanduiding voor dianummer 3">
             <a:extLst>
               <a:ext uri="{FF2B5EF4-FFF2-40B4-BE49-F238E27FC236}">
-                <a16:creationId xmlns:a16="http://schemas.microsoft.com/office/drawing/2014/main" id="{60F4FB57-9BDA-A44F-899C-D2ACB1C9A327}"/>
+                <a16:creationId xmlns:a16="http://schemas.microsoft.com/office/drawing/2014/main" id="{44604E4B-75B4-5E40-B0DF-A8D6374B1161}"/>
               </a:ext>
             </a:extLst>
           </p:cNvPr>
@@ -3938,7 +4624,7 @@
     </p:spTree>
     <p:extLst>
       <p:ext uri="{BB962C8B-B14F-4D97-AF65-F5344CB8AC3E}">
-        <p14:creationId xmlns:p14="http://schemas.microsoft.com/office/powerpoint/2010/main" val="3314764839"/>
+        <p14:creationId xmlns:p14="http://schemas.microsoft.com/office/powerpoint/2010/main" val="2860741065"/>
       </p:ext>
     </p:extLst>
   </p:cSld>
@@ -3970,7 +4656,7 @@
           <p:cNvPr id="2" name="Titel 1">
             <a:extLst>
               <a:ext uri="{FF2B5EF4-FFF2-40B4-BE49-F238E27FC236}">
-                <a16:creationId xmlns:a16="http://schemas.microsoft.com/office/drawing/2014/main" id="{4634A112-F187-5B4B-8142-757B7980FAA9}"/>
+                <a16:creationId xmlns:a16="http://schemas.microsoft.com/office/drawing/2014/main" id="{4B5E34EE-663A-AB42-8D7E-C2D209F6006C}"/>
               </a:ext>
             </a:extLst>
           </p:cNvPr>
@@ -3987,8 +4673,8 @@
           <a:lstStyle/>
           <a:p>
             <a:r>
-              <a:rPr lang="nl-BE"/>
-              <a:t>Extra functionalities</a:t>
+              <a:rPr lang="nl-BE" dirty="0"/>
+              <a:t>GITHuB Desktop Demo</a:t>
             </a:r>
           </a:p>
         </p:txBody>
@@ -3998,7 +4684,7 @@
           <p:cNvPr id="3" name="Tijdelijke aanduiding voor inhoud 2">
             <a:extLst>
               <a:ext uri="{FF2B5EF4-FFF2-40B4-BE49-F238E27FC236}">
-                <a16:creationId xmlns:a16="http://schemas.microsoft.com/office/drawing/2014/main" id="{A184E3A5-3C1A-BF42-BB5D-69C447BC697F}"/>
+                <a16:creationId xmlns:a16="http://schemas.microsoft.com/office/drawing/2014/main" id="{D68F8086-2300-974E-9DE4-93857BC65CAF}"/>
               </a:ext>
             </a:extLst>
           </p:cNvPr>
@@ -4023,7 +4709,7 @@
           <p:cNvPr id="4" name="Tijdelijke aanduiding voor dianummer 3">
             <a:extLst>
               <a:ext uri="{FF2B5EF4-FFF2-40B4-BE49-F238E27FC236}">
-                <a16:creationId xmlns:a16="http://schemas.microsoft.com/office/drawing/2014/main" id="{3CD2F08D-9B67-5A48-980F-26D72BD010D9}"/>
+                <a16:creationId xmlns:a16="http://schemas.microsoft.com/office/drawing/2014/main" id="{F55E12B0-A09A-8341-BF46-A90EF0C3745A}"/>
               </a:ext>
             </a:extLst>
           </p:cNvPr>
@@ -4050,7 +4736,7 @@
     </p:spTree>
     <p:extLst>
       <p:ext uri="{BB962C8B-B14F-4D97-AF65-F5344CB8AC3E}">
-        <p14:creationId xmlns:p14="http://schemas.microsoft.com/office/powerpoint/2010/main" val="2288973983"/>
+        <p14:creationId xmlns:p14="http://schemas.microsoft.com/office/powerpoint/2010/main" val="1104942443"/>
       </p:ext>
     </p:extLst>
   </p:cSld>
@@ -4079,226 +4765,229 @@
       </p:grpSpPr>
       <p:sp>
         <p:nvSpPr>
-          <p:cNvPr id="2" name="Title 1"/>
-          <p:cNvSpPr>
-            <a:spLocks noGrp="1"/>
-          </p:cNvSpPr>
-          <p:nvPr>
-            <p:ph type="ctrTitle"/>
-          </p:nvPr>
-        </p:nvSpPr>
-        <p:spPr/>
-        <p:txBody>
-          <a:bodyPr/>
-          <a:lstStyle/>
-          <a:p>
-            <a:r>
-              <a:rPr lang="en-GB" sz="3500"/>
-              <a:t>&lt; presenter’s name &gt;</a:t>
-            </a:r>
-            <a:br>
-              <a:rPr lang="en-GB"/>
-            </a:br>
-            <a:r>
-              <a:rPr lang="en-GB"/>
-              <a:t>&lt; job title &gt;</a:t>
-            </a:r>
-            <a:br>
-              <a:rPr lang="en-GB"/>
-            </a:br>
-            <a:br>
-              <a:rPr lang="en-GB"/>
-            </a:br>
-            <a:r>
-              <a:rPr lang="en-GB" cap="all"/>
-              <a:t>&lt; department or office &gt;</a:t>
-            </a:r>
-            <a:br>
-              <a:rPr lang="en-GB" cap="all"/>
-            </a:br>
-            <a:br>
-              <a:rPr lang="en-GB"/>
-            </a:br>
-            <a:r>
-              <a:rPr lang="en-GB"/>
-              <a:t>E	&lt;first name&gt;.&lt;surname&gt;@ugent.be</a:t>
-            </a:r>
-            <a:br>
-              <a:rPr lang="en-GB"/>
-            </a:br>
-            <a:r>
-              <a:rPr lang="en-GB"/>
-              <a:t>T	+32 9 000 00 00</a:t>
-            </a:r>
-            <a:br>
-              <a:rPr lang="en-GB"/>
-            </a:br>
-            <a:r>
-              <a:rPr lang="en-GB"/>
-              <a:t>M	+32 400 00 00 00</a:t>
-            </a:r>
-            <a:br>
-              <a:rPr lang="en-GB"/>
-            </a:br>
-            <a:br>
-              <a:rPr lang="en-GB"/>
-            </a:br>
-            <a:r>
-              <a:rPr lang="en-GB"/>
-              <a:t>www.ugent.be</a:t>
-            </a:r>
-            <a:br>
-              <a:rPr lang="en-GB"/>
-            </a:br>
-            <a:endParaRPr lang="en-GB" dirty="0"/>
-          </a:p>
-        </p:txBody>
-      </p:sp>
-      <p:sp>
-        <p:nvSpPr>
-          <p:cNvPr id="4" name="Tijdelijke aanduiding voor tekst 3"/>
-          <p:cNvSpPr>
-            <a:spLocks noGrp="1"/>
-          </p:cNvSpPr>
-          <p:nvPr>
-            <p:ph type="body" sz="quarter" idx="10"/>
-          </p:nvPr>
-        </p:nvSpPr>
-        <p:spPr/>
-        <p:txBody>
-          <a:bodyPr/>
-          <a:lstStyle/>
-          <a:p>
-            <a:r>
-              <a:rPr lang="nl-NL" dirty="0" err="1"/>
-              <a:t>Ghent</a:t>
-            </a:r>
-            <a:r>
-              <a:rPr lang="nl-NL" dirty="0"/>
-              <a:t> University</a:t>
-            </a:r>
-            <a:br>
-              <a:rPr lang="nl-NL" dirty="0"/>
-            </a:br>
-            <a:r>
-              <a:rPr lang="nl-NL" dirty="0"/>
-              <a:t>@</a:t>
-            </a:r>
-            <a:r>
-              <a:rPr lang="nl-NL" dirty="0" err="1"/>
-              <a:t>ugent</a:t>
-            </a:r>
-            <a:br>
-              <a:rPr lang="nl-NL" dirty="0"/>
-            </a:br>
-            <a:r>
-              <a:rPr lang="nl-NL" dirty="0" err="1"/>
-              <a:t>Ghent</a:t>
-            </a:r>
-            <a:r>
-              <a:rPr lang="nl-NL" dirty="0"/>
-              <a:t> University</a:t>
-            </a:r>
-          </a:p>
-          <a:p>
-            <a:endParaRPr lang="nl-NL" dirty="0"/>
-          </a:p>
-        </p:txBody>
-      </p:sp>
-      <p:pic>
-        <p:nvPicPr>
-          <p:cNvPr id="5" name="Picture 9"/>
-          <p:cNvPicPr>
-            <a:picLocks noChangeAspect="1"/>
-          </p:cNvPicPr>
-          <p:nvPr/>
-        </p:nvPicPr>
-        <p:blipFill>
-          <a:blip r:embed="rId2" cstate="print">
+          <p:cNvPr id="2" name="Titel 1">
             <a:extLst>
-              <a:ext uri="{28A0092B-C50C-407E-A947-70E740481C1C}">
-                <a14:useLocalDpi xmlns:a14="http://schemas.microsoft.com/office/drawing/2010/main" val="0"/>
+              <a:ext uri="{FF2B5EF4-FFF2-40B4-BE49-F238E27FC236}">
+                <a16:creationId xmlns:a16="http://schemas.microsoft.com/office/drawing/2014/main" id="{7F462651-636E-E74D-A6B3-6A090A43200C}"/>
               </a:ext>
             </a:extLst>
-          </a:blip>
-          <a:stretch>
-            <a:fillRect/>
-          </a:stretch>
-        </p:blipFill>
-        <p:spPr>
-          <a:xfrm>
-            <a:off x="8712000" y="3161604"/>
-            <a:ext cx="280417" cy="335281"/>
-          </a:xfrm>
-          <a:prstGeom prst="rect">
-            <a:avLst/>
-          </a:prstGeom>
-        </p:spPr>
-      </p:pic>
-      <p:pic>
-        <p:nvPicPr>
-          <p:cNvPr id="6" name="Picture 10"/>
-          <p:cNvPicPr>
-            <a:picLocks noChangeAspect="1"/>
-          </p:cNvPicPr>
-          <p:nvPr/>
-        </p:nvPicPr>
-        <p:blipFill>
-          <a:blip r:embed="rId3" cstate="print">
+          </p:cNvPr>
+          <p:cNvSpPr>
+            <a:spLocks noGrp="1"/>
+          </p:cNvSpPr>
+          <p:nvPr>
+            <p:ph type="title"/>
+          </p:nvPr>
+        </p:nvSpPr>
+        <p:spPr/>
+        <p:txBody>
+          <a:bodyPr/>
+          <a:lstStyle/>
+          <a:p>
+            <a:r>
+              <a:rPr lang="nl-BE" dirty="0"/>
+              <a:t>GitHUB PyCharm demo</a:t>
+            </a:r>
+          </a:p>
+        </p:txBody>
+      </p:sp>
+      <p:sp>
+        <p:nvSpPr>
+          <p:cNvPr id="3" name="Tijdelijke aanduiding voor inhoud 2">
             <a:extLst>
-              <a:ext uri="{28A0092B-C50C-407E-A947-70E740481C1C}">
-                <a14:useLocalDpi xmlns:a14="http://schemas.microsoft.com/office/drawing/2010/main" val="0"/>
+              <a:ext uri="{FF2B5EF4-FFF2-40B4-BE49-F238E27FC236}">
+                <a16:creationId xmlns:a16="http://schemas.microsoft.com/office/drawing/2014/main" id="{B4F2AC97-5D78-4B43-990D-88358BFDD259}"/>
               </a:ext>
             </a:extLst>
-          </a:blip>
-          <a:stretch>
-            <a:fillRect/>
-          </a:stretch>
-        </p:blipFill>
-        <p:spPr>
-          <a:xfrm>
-            <a:off x="8712000" y="3599274"/>
-            <a:ext cx="280417" cy="356617"/>
-          </a:xfrm>
-          <a:prstGeom prst="rect">
-            <a:avLst/>
-          </a:prstGeom>
-        </p:spPr>
-      </p:pic>
-      <p:pic>
-        <p:nvPicPr>
-          <p:cNvPr id="7" name="Picture 11"/>
-          <p:cNvPicPr>
-            <a:picLocks noChangeAspect="1"/>
-          </p:cNvPicPr>
-          <p:nvPr/>
-        </p:nvPicPr>
-        <p:blipFill>
-          <a:blip r:embed="rId4" cstate="print">
+          </p:cNvPr>
+          <p:cNvSpPr>
+            <a:spLocks noGrp="1"/>
+          </p:cNvSpPr>
+          <p:nvPr>
+            <p:ph idx="1"/>
+          </p:nvPr>
+        </p:nvSpPr>
+        <p:spPr/>
+        <p:txBody>
+          <a:bodyPr/>
+          <a:lstStyle/>
+          <a:p>
+            <a:endParaRPr lang="nl-BE"/>
+          </a:p>
+        </p:txBody>
+      </p:sp>
+      <p:sp>
+        <p:nvSpPr>
+          <p:cNvPr id="4" name="Tijdelijke aanduiding voor dianummer 3">
             <a:extLst>
-              <a:ext uri="{28A0092B-C50C-407E-A947-70E740481C1C}">
-                <a14:useLocalDpi xmlns:a14="http://schemas.microsoft.com/office/drawing/2010/main" val="0"/>
+              <a:ext uri="{FF2B5EF4-FFF2-40B4-BE49-F238E27FC236}">
+                <a16:creationId xmlns:a16="http://schemas.microsoft.com/office/drawing/2014/main" id="{4D911ACF-5C86-3B44-A88A-09FFBBF1CF39}"/>
               </a:ext>
             </a:extLst>
-          </a:blip>
-          <a:stretch>
-            <a:fillRect/>
-          </a:stretch>
-        </p:blipFill>
-        <p:spPr>
-          <a:xfrm>
-            <a:off x="8712000" y="4103436"/>
-            <a:ext cx="280417" cy="280417"/>
-          </a:xfrm>
-          <a:prstGeom prst="rect">
-            <a:avLst/>
-          </a:prstGeom>
-        </p:spPr>
-      </p:pic>
+          </p:cNvPr>
+          <p:cNvSpPr>
+            <a:spLocks noGrp="1"/>
+          </p:cNvSpPr>
+          <p:nvPr>
+            <p:ph type="sldNum" sz="quarter" idx="12"/>
+          </p:nvPr>
+        </p:nvSpPr>
+        <p:spPr/>
+        <p:txBody>
+          <a:bodyPr/>
+          <a:lstStyle/>
+          <a:p>
+            <a:fld id="{7AE184E0-0BD4-4705-A12B-9B71DDE63301}" type="slidenum">
+              <a:rPr lang="en-GB" noProof="0" smtClean="0"/>
+              <a:t>8</a:t>
+            </a:fld>
+            <a:endParaRPr lang="en-GB" noProof="0" dirty="0"/>
+          </a:p>
+        </p:txBody>
+      </p:sp>
     </p:spTree>
     <p:extLst>
       <p:ext uri="{BB962C8B-B14F-4D97-AF65-F5344CB8AC3E}">
-        <p14:creationId xmlns:p14="http://schemas.microsoft.com/office/powerpoint/2010/main" val="411963799"/>
+        <p14:creationId xmlns:p14="http://schemas.microsoft.com/office/powerpoint/2010/main" val="1679089517"/>
+      </p:ext>
+    </p:extLst>
+  </p:cSld>
+  <p:clrMapOvr>
+    <a:masterClrMapping/>
+  </p:clrMapOvr>
+</p:sld>
+</file>
+
+<file path=ppt/slides/slide9.xml><?xml version="1.0" encoding="utf-8"?>
+<p:sld xmlns:a="http://schemas.openxmlformats.org/drawingml/2006/main" xmlns:r="http://schemas.openxmlformats.org/officeDocument/2006/relationships" xmlns:p="http://schemas.openxmlformats.org/presentationml/2006/main">
+  <p:cSld>
+    <p:spTree>
+      <p:nvGrpSpPr>
+        <p:cNvPr id="1" name=""/>
+        <p:cNvGrpSpPr/>
+        <p:nvPr/>
+      </p:nvGrpSpPr>
+      <p:grpSpPr>
+        <a:xfrm>
+          <a:off x="0" y="0"/>
+          <a:ext cx="0" cy="0"/>
+          <a:chOff x="0" y="0"/>
+          <a:chExt cx="0" cy="0"/>
+        </a:xfrm>
+      </p:grpSpPr>
+      <p:sp>
+        <p:nvSpPr>
+          <p:cNvPr id="2" name="Titel 1">
+            <a:extLst>
+              <a:ext uri="{FF2B5EF4-FFF2-40B4-BE49-F238E27FC236}">
+                <a16:creationId xmlns:a16="http://schemas.microsoft.com/office/drawing/2014/main" id="{08CCC904-6B2D-AD4A-A733-C99AD515F380}"/>
+              </a:ext>
+            </a:extLst>
+          </p:cNvPr>
+          <p:cNvSpPr>
+            <a:spLocks noGrp="1"/>
+          </p:cNvSpPr>
+          <p:nvPr>
+            <p:ph type="title"/>
+          </p:nvPr>
+        </p:nvSpPr>
+        <p:spPr/>
+        <p:txBody>
+          <a:bodyPr/>
+          <a:lstStyle/>
+          <a:p>
+            <a:r>
+              <a:rPr lang="nl-BE" dirty="0"/>
+              <a:t>Github.com</a:t>
+            </a:r>
+          </a:p>
+        </p:txBody>
+      </p:sp>
+      <p:sp>
+        <p:nvSpPr>
+          <p:cNvPr id="3" name="Tijdelijke aanduiding voor inhoud 2">
+            <a:extLst>
+              <a:ext uri="{FF2B5EF4-FFF2-40B4-BE49-F238E27FC236}">
+                <a16:creationId xmlns:a16="http://schemas.microsoft.com/office/drawing/2014/main" id="{BD340E00-5B7D-0F41-BFBF-8E6E470E7F67}"/>
+              </a:ext>
+            </a:extLst>
+          </p:cNvPr>
+          <p:cNvSpPr>
+            <a:spLocks noGrp="1"/>
+          </p:cNvSpPr>
+          <p:nvPr>
+            <p:ph idx="1"/>
+          </p:nvPr>
+        </p:nvSpPr>
+        <p:spPr/>
+        <p:txBody>
+          <a:bodyPr/>
+          <a:lstStyle/>
+          <a:p>
+            <a:r>
+              <a:rPr lang="nl-BE" dirty="0"/>
+              <a:t>User</a:t>
+            </a:r>
+          </a:p>
+          <a:p>
+            <a:r>
+              <a:rPr lang="nl-BE" dirty="0"/>
+              <a:t>Organisation</a:t>
+            </a:r>
+          </a:p>
+          <a:p>
+            <a:r>
+              <a:rPr lang="nl-BE" dirty="0"/>
+              <a:t>Project is place to track issues, features and tasks related to repositories</a:t>
+            </a:r>
+          </a:p>
+          <a:p>
+            <a:r>
+              <a:rPr lang="nl-BE" dirty="0"/>
+              <a:t>GitHub Issues to track ideas, enhancements, tasks, or bugs for work on GitHub</a:t>
+            </a:r>
+          </a:p>
+          <a:p>
+            <a:r>
+              <a:rPr lang="nl-BE" dirty="0"/>
+              <a:t>GitHub Enterprise: github.ugent.be</a:t>
+            </a:r>
+          </a:p>
+        </p:txBody>
+      </p:sp>
+      <p:sp>
+        <p:nvSpPr>
+          <p:cNvPr id="4" name="Tijdelijke aanduiding voor dianummer 3">
+            <a:extLst>
+              <a:ext uri="{FF2B5EF4-FFF2-40B4-BE49-F238E27FC236}">
+                <a16:creationId xmlns:a16="http://schemas.microsoft.com/office/drawing/2014/main" id="{8CF3EA43-2A07-CB48-8B2C-A8F92EEB45DD}"/>
+              </a:ext>
+            </a:extLst>
+          </p:cNvPr>
+          <p:cNvSpPr>
+            <a:spLocks noGrp="1"/>
+          </p:cNvSpPr>
+          <p:nvPr>
+            <p:ph type="sldNum" sz="quarter" idx="12"/>
+          </p:nvPr>
+        </p:nvSpPr>
+        <p:spPr/>
+        <p:txBody>
+          <a:bodyPr/>
+          <a:lstStyle/>
+          <a:p>
+            <a:fld id="{7AE184E0-0BD4-4705-A12B-9B71DDE63301}" type="slidenum">
+              <a:rPr lang="en-GB" noProof="0" smtClean="0"/>
+              <a:t>9</a:t>
+            </a:fld>
+            <a:endParaRPr lang="en-GB" noProof="0" dirty="0"/>
+          </a:p>
+        </p:txBody>
+      </p:sp>
+    </p:spTree>
+    <p:extLst>
+      <p:ext uri="{BB962C8B-B14F-4D97-AF65-F5344CB8AC3E}">
+        <p14:creationId xmlns:p14="http://schemas.microsoft.com/office/powerpoint/2010/main" val="2917736863"/>
       </p:ext>
     </p:extLst>
   </p:cSld>

--- a/SSHTGithub.pptx
+++ b/SSHTGithub.pptx
@@ -5,7 +5,7 @@
     <p:sldMasterId id="2147483660" r:id="rId1"/>
   </p:sldMasterIdLst>
   <p:notesMasterIdLst>
-    <p:notesMasterId r:id="rId14"/>
+    <p:notesMasterId r:id="rId15"/>
   </p:notesMasterIdLst>
   <p:sldIdLst>
     <p:sldId id="259" r:id="rId2"/>
@@ -16,10 +16,11 @@
     <p:sldId id="265" r:id="rId7"/>
     <p:sldId id="266" r:id="rId8"/>
     <p:sldId id="272" r:id="rId9"/>
-    <p:sldId id="271" r:id="rId10"/>
-    <p:sldId id="268" r:id="rId11"/>
-    <p:sldId id="273" r:id="rId12"/>
-    <p:sldId id="264" r:id="rId13"/>
+    <p:sldId id="274" r:id="rId10"/>
+    <p:sldId id="271" r:id="rId11"/>
+    <p:sldId id="268" r:id="rId12"/>
+    <p:sldId id="273" r:id="rId13"/>
+    <p:sldId id="264" r:id="rId14"/>
   </p:sldIdLst>
   <p:sldSz cx="17338675" cy="9753600"/>
   <p:notesSz cx="6858000" cy="9144000"/>
@@ -219,7 +220,7 @@
           <a:p>
             <a:fld id="{86680C0C-85DF-417F-8238-DB0D15743621}" type="datetimeFigureOut">
               <a:rPr lang="en-GB" smtClean="0"/>
-              <a:t>22/02/2021</a:t>
+              <a:t>24/02/2021</a:t>
             </a:fld>
             <a:endParaRPr lang="en-GB"/>
           </a:p>
@@ -689,7 +690,7 @@
           <a:p>
             <a:fld id="{50464F84-246C-4657-8172-1E2969D0F603}" type="datetime1">
               <a:rPr lang="en-GB" smtClean="0"/>
-              <a:t>22/02/2021</a:t>
+              <a:t>24/02/2021</a:t>
             </a:fld>
             <a:endParaRPr lang="en-GB"/>
           </a:p>
@@ -1629,7 +1630,7 @@
           <a:p>
             <a:fld id="{4FCCCAF6-1686-4743-9124-83F33F1A0EA9}" type="datetime1">
               <a:rPr lang="en-GB" noProof="0" smtClean="0"/>
-              <a:t>22/02/2021</a:t>
+              <a:t>24/02/2021</a:t>
             </a:fld>
             <a:endParaRPr lang="en-GB" noProof="0" dirty="0"/>
           </a:p>
@@ -1747,7 +1748,7 @@
           <a:p>
             <a:fld id="{B86ADBF0-A618-4E69-83BB-0C41E08702AA}" type="datetime1">
               <a:rPr lang="en-GB" noProof="0" smtClean="0"/>
-              <a:t>22/02/2021</a:t>
+              <a:t>24/02/2021</a:t>
             </a:fld>
             <a:endParaRPr lang="en-GB" noProof="0" dirty="0"/>
           </a:p>
@@ -2007,7 +2008,7 @@
           <a:p>
             <a:fld id="{F2443E58-CDC3-4782-B82C-4D381C795B98}" type="datetime1">
               <a:rPr lang="en-GB" noProof="0" smtClean="0"/>
-              <a:t>22/02/2021</a:t>
+              <a:t>24/02/2021</a:t>
             </a:fld>
             <a:endParaRPr lang="en-GB" noProof="0" dirty="0"/>
           </a:p>
@@ -2147,7 +2148,7 @@
           <a:p>
             <a:fld id="{3D3465D1-804F-429B-83CD-3EFA8410E123}" type="datetime1">
               <a:rPr lang="en-GB" smtClean="0"/>
-              <a:t>22/02/2021</a:t>
+              <a:t>24/02/2021</a:t>
             </a:fld>
             <a:endParaRPr lang="en-GB"/>
           </a:p>
@@ -2663,7 +2664,7 @@
           <a:p>
             <a:fld id="{434BA3CA-1064-434F-B179-AB3B0298C0D6}" type="datetime1">
               <a:rPr lang="en-GB" noProof="0" smtClean="0"/>
-              <a:t>22/02/2021</a:t>
+              <a:t>24/02/2021</a:t>
             </a:fld>
             <a:endParaRPr lang="en-GB" noProof="0" dirty="0"/>
           </a:p>
@@ -3366,6 +3367,145 @@
           <p:cNvPr id="2" name="Titel 1">
             <a:extLst>
               <a:ext uri="{FF2B5EF4-FFF2-40B4-BE49-F238E27FC236}">
+                <a16:creationId xmlns:a16="http://schemas.microsoft.com/office/drawing/2014/main" id="{08CCC904-6B2D-AD4A-A733-C99AD515F380}"/>
+              </a:ext>
+            </a:extLst>
+          </p:cNvPr>
+          <p:cNvSpPr>
+            <a:spLocks noGrp="1"/>
+          </p:cNvSpPr>
+          <p:nvPr>
+            <p:ph type="title"/>
+          </p:nvPr>
+        </p:nvSpPr>
+        <p:spPr/>
+        <p:txBody>
+          <a:bodyPr/>
+          <a:lstStyle/>
+          <a:p>
+            <a:r>
+              <a:rPr lang="nl-BE" dirty="0"/>
+              <a:t>Github.com</a:t>
+            </a:r>
+          </a:p>
+        </p:txBody>
+      </p:sp>
+      <p:sp>
+        <p:nvSpPr>
+          <p:cNvPr id="3" name="Tijdelijke aanduiding voor inhoud 2">
+            <a:extLst>
+              <a:ext uri="{FF2B5EF4-FFF2-40B4-BE49-F238E27FC236}">
+                <a16:creationId xmlns:a16="http://schemas.microsoft.com/office/drawing/2014/main" id="{BD340E00-5B7D-0F41-BFBF-8E6E470E7F67}"/>
+              </a:ext>
+            </a:extLst>
+          </p:cNvPr>
+          <p:cNvSpPr>
+            <a:spLocks noGrp="1"/>
+          </p:cNvSpPr>
+          <p:nvPr>
+            <p:ph idx="1"/>
+          </p:nvPr>
+        </p:nvSpPr>
+        <p:spPr/>
+        <p:txBody>
+          <a:bodyPr/>
+          <a:lstStyle/>
+          <a:p>
+            <a:r>
+              <a:rPr lang="nl-BE" dirty="0"/>
+              <a:t>User</a:t>
+            </a:r>
+          </a:p>
+          <a:p>
+            <a:r>
+              <a:rPr lang="nl-BE" dirty="0"/>
+              <a:t>Organisation</a:t>
+            </a:r>
+          </a:p>
+          <a:p>
+            <a:r>
+              <a:rPr lang="nl-BE" dirty="0"/>
+              <a:t>Project is place to track issues, features and tasks related to repositories</a:t>
+            </a:r>
+          </a:p>
+          <a:p>
+            <a:r>
+              <a:rPr lang="nl-BE" dirty="0"/>
+              <a:t>GitHub Issues to track ideas, enhancements, tasks, or bugs for work on GitHub</a:t>
+            </a:r>
+          </a:p>
+          <a:p>
+            <a:r>
+              <a:rPr lang="nl-BE" dirty="0"/>
+              <a:t>GitHub Enterprise: github.ugent.be</a:t>
+            </a:r>
+          </a:p>
+        </p:txBody>
+      </p:sp>
+      <p:sp>
+        <p:nvSpPr>
+          <p:cNvPr id="4" name="Tijdelijke aanduiding voor dianummer 3">
+            <a:extLst>
+              <a:ext uri="{FF2B5EF4-FFF2-40B4-BE49-F238E27FC236}">
+                <a16:creationId xmlns:a16="http://schemas.microsoft.com/office/drawing/2014/main" id="{8CF3EA43-2A07-CB48-8B2C-A8F92EEB45DD}"/>
+              </a:ext>
+            </a:extLst>
+          </p:cNvPr>
+          <p:cNvSpPr>
+            <a:spLocks noGrp="1"/>
+          </p:cNvSpPr>
+          <p:nvPr>
+            <p:ph type="sldNum" sz="quarter" idx="12"/>
+          </p:nvPr>
+        </p:nvSpPr>
+        <p:spPr/>
+        <p:txBody>
+          <a:bodyPr/>
+          <a:lstStyle/>
+          <a:p>
+            <a:fld id="{7AE184E0-0BD4-4705-A12B-9B71DDE63301}" type="slidenum">
+              <a:rPr lang="en-GB" noProof="0" smtClean="0"/>
+              <a:t>10</a:t>
+            </a:fld>
+            <a:endParaRPr lang="en-GB" noProof="0" dirty="0"/>
+          </a:p>
+        </p:txBody>
+      </p:sp>
+    </p:spTree>
+    <p:extLst>
+      <p:ext uri="{BB962C8B-B14F-4D97-AF65-F5344CB8AC3E}">
+        <p14:creationId xmlns:p14="http://schemas.microsoft.com/office/powerpoint/2010/main" val="2917736863"/>
+      </p:ext>
+    </p:extLst>
+  </p:cSld>
+  <p:clrMapOvr>
+    <a:masterClrMapping/>
+  </p:clrMapOvr>
+</p:sld>
+</file>
+
+<file path=ppt/slides/slide11.xml><?xml version="1.0" encoding="utf-8"?>
+<p:sld xmlns:a="http://schemas.openxmlformats.org/drawingml/2006/main" xmlns:r="http://schemas.openxmlformats.org/officeDocument/2006/relationships" xmlns:p="http://schemas.openxmlformats.org/presentationml/2006/main">
+  <p:cSld>
+    <p:spTree>
+      <p:nvGrpSpPr>
+        <p:cNvPr id="1" name=""/>
+        <p:cNvGrpSpPr/>
+        <p:nvPr/>
+      </p:nvGrpSpPr>
+      <p:grpSpPr>
+        <a:xfrm>
+          <a:off x="0" y="0"/>
+          <a:ext cx="0" cy="0"/>
+          <a:chOff x="0" y="0"/>
+          <a:chExt cx="0" cy="0"/>
+        </a:xfrm>
+      </p:grpSpPr>
+      <p:sp>
+        <p:nvSpPr>
+          <p:cNvPr id="2" name="Titel 1">
+            <a:extLst>
+              <a:ext uri="{FF2B5EF4-FFF2-40B4-BE49-F238E27FC236}">
                 <a16:creationId xmlns:a16="http://schemas.microsoft.com/office/drawing/2014/main" id="{4634A112-F187-5B4B-8142-757B7980FAA9}"/>
               </a:ext>
             </a:extLst>
@@ -3477,7 +3617,7 @@
           <a:p>
             <a:fld id="{7AE184E0-0BD4-4705-A12B-9B71DDE63301}" type="slidenum">
               <a:rPr lang="en-GB" noProof="0" smtClean="0"/>
-              <a:t>10</a:t>
+              <a:t>11</a:t>
             </a:fld>
             <a:endParaRPr lang="en-GB" noProof="0" dirty="0"/>
           </a:p>
@@ -3541,7 +3681,7 @@
 </p:sld>
 </file>
 
-<file path=ppt/slides/slide11.xml><?xml version="1.0" encoding="utf-8"?>
+<file path=ppt/slides/slide12.xml><?xml version="1.0" encoding="utf-8"?>
 <p:sld xmlns:a="http://schemas.openxmlformats.org/drawingml/2006/main" xmlns:r="http://schemas.openxmlformats.org/officeDocument/2006/relationships" xmlns:p="http://schemas.openxmlformats.org/presentationml/2006/main">
   <p:cSld>
     <p:spTree>
@@ -3649,7 +3789,7 @@
           <a:p>
             <a:fld id="{7AE184E0-0BD4-4705-A12B-9B71DDE63301}" type="slidenum">
               <a:rPr lang="en-GB" noProof="0" smtClean="0"/>
-              <a:t>11</a:t>
+              <a:t>12</a:t>
             </a:fld>
             <a:endParaRPr lang="en-GB" noProof="0" dirty="0"/>
           </a:p>
@@ -3668,7 +3808,7 @@
 </p:sld>
 </file>
 
-<file path=ppt/slides/slide12.xml><?xml version="1.0" encoding="utf-8"?>
+<file path=ppt/slides/slide13.xml><?xml version="1.0" encoding="utf-8"?>
 <p:sld xmlns:a="http://schemas.openxmlformats.org/drawingml/2006/main" xmlns:r="http://schemas.openxmlformats.org/officeDocument/2006/relationships" xmlns:p="http://schemas.openxmlformats.org/presentationml/2006/main">
   <p:cSld>
     <p:spTree>
@@ -3896,7 +4036,7 @@
           <a:p>
             <a:r>
               <a:rPr lang="nl-NL" dirty="0"/>
-              <a:t>SSHHT </a:t>
+              <a:t>SSHT </a:t>
             </a:r>
             <a:r>
               <a:rPr lang="nl-NL" dirty="0" err="1"/>
@@ -4786,7 +4926,7 @@
           <a:p>
             <a:r>
               <a:rPr lang="nl-BE" dirty="0"/>
-              <a:t>GitHUB PyCharm demo</a:t>
+              <a:t>GitHUB R-Studio demo</a:t>
             </a:r>
           </a:p>
         </p:txBody>
@@ -4880,7 +5020,7 @@
           <p:cNvPr id="2" name="Titel 1">
             <a:extLst>
               <a:ext uri="{FF2B5EF4-FFF2-40B4-BE49-F238E27FC236}">
-                <a16:creationId xmlns:a16="http://schemas.microsoft.com/office/drawing/2014/main" id="{08CCC904-6B2D-AD4A-A733-C99AD515F380}"/>
+                <a16:creationId xmlns:a16="http://schemas.microsoft.com/office/drawing/2014/main" id="{32060708-FF54-0D4A-B2A1-25943C0C6FB1}"/>
               </a:ext>
             </a:extLst>
           </p:cNvPr>
@@ -4898,7 +5038,7 @@
           <a:p>
             <a:r>
               <a:rPr lang="nl-BE" dirty="0"/>
-              <a:t>Github.com</a:t>
+              <a:t>Github special files</a:t>
             </a:r>
           </a:p>
         </p:txBody>
@@ -4908,7 +5048,7 @@
           <p:cNvPr id="3" name="Tijdelijke aanduiding voor inhoud 2">
             <a:extLst>
               <a:ext uri="{FF2B5EF4-FFF2-40B4-BE49-F238E27FC236}">
-                <a16:creationId xmlns:a16="http://schemas.microsoft.com/office/drawing/2014/main" id="{BD340E00-5B7D-0F41-BFBF-8E6E470E7F67}"/>
+                <a16:creationId xmlns:a16="http://schemas.microsoft.com/office/drawing/2014/main" id="{866BFDE6-29B3-AF43-8B87-5D20EF4AD9A1}"/>
               </a:ext>
             </a:extLst>
           </p:cNvPr>
@@ -4926,32 +5066,17 @@
           <a:p>
             <a:r>
               <a:rPr lang="nl-BE" dirty="0"/>
-              <a:t>User</a:t>
-            </a:r>
-          </a:p>
-          <a:p>
-            <a:r>
-              <a:rPr lang="nl-BE" dirty="0"/>
-              <a:t>Organisation</a:t>
-            </a:r>
-          </a:p>
-          <a:p>
-            <a:r>
-              <a:rPr lang="nl-BE" dirty="0"/>
-              <a:t>Project is place to track issues, features and tasks related to repositories</a:t>
-            </a:r>
-          </a:p>
-          <a:p>
-            <a:r>
-              <a:rPr lang="nl-BE" dirty="0"/>
-              <a:t>GitHub Issues to track ideas, enhancements, tasks, or bugs for work on GitHub</a:t>
-            </a:r>
-          </a:p>
-          <a:p>
-            <a:r>
-              <a:rPr lang="nl-BE" dirty="0"/>
-              <a:t>GitHub Enterprise: github.ugent.be</a:t>
-            </a:r>
+              <a:t>README.md</a:t>
+            </a:r>
+          </a:p>
+          <a:p>
+            <a:r>
+              <a:rPr lang="nl-BE"/>
+              <a:t>.GIT directory: meta-data about repository</a:t>
+            </a:r>
+          </a:p>
+          <a:p>
+            <a:endParaRPr lang="nl-BE"/>
           </a:p>
         </p:txBody>
       </p:sp>
@@ -4960,7 +5085,7 @@
           <p:cNvPr id="4" name="Tijdelijke aanduiding voor dianummer 3">
             <a:extLst>
               <a:ext uri="{FF2B5EF4-FFF2-40B4-BE49-F238E27FC236}">
-                <a16:creationId xmlns:a16="http://schemas.microsoft.com/office/drawing/2014/main" id="{8CF3EA43-2A07-CB48-8B2C-A8F92EEB45DD}"/>
+                <a16:creationId xmlns:a16="http://schemas.microsoft.com/office/drawing/2014/main" id="{237522ED-E2DA-B642-8596-90974693E764}"/>
               </a:ext>
             </a:extLst>
           </p:cNvPr>
@@ -4987,7 +5112,7 @@
     </p:spTree>
     <p:extLst>
       <p:ext uri="{BB962C8B-B14F-4D97-AF65-F5344CB8AC3E}">
-        <p14:creationId xmlns:p14="http://schemas.microsoft.com/office/powerpoint/2010/main" val="2917736863"/>
+        <p14:creationId xmlns:p14="http://schemas.microsoft.com/office/powerpoint/2010/main" val="4141959002"/>
       </p:ext>
     </p:extLst>
   </p:cSld>
